--- a/Fabio/Wines Across the World.pptx
+++ b/Fabio/Wines Across the World.pptx
@@ -221,7 +221,7 @@
           <a:p>
             <a:fld id="{B6B2A585-3CA6-47BC-9F36-BED1A134AE89}" type="datetimeFigureOut">
               <a:rPr lang="en-US" smtClean="0"/>
-              <a:t>7/8/2019</a:t>
+              <a:t>7/11/2019</a:t>
             </a:fld>
             <a:endParaRPr lang="en-US"/>
           </a:p>
@@ -959,7 +959,7 @@
             <a:fld id="{53074F12-AA26-4AC8-9962-C36BB8F32554}" type="datetimeFigureOut">
               <a:rPr lang="en-US" smtClean="0"/>
               <a:pPr/>
-              <a:t>7/8/2019</a:t>
+              <a:t>7/11/2019</a:t>
             </a:fld>
             <a:endParaRPr lang="en-US"/>
           </a:p>
@@ -1213,7 +1213,7 @@
             <a:fld id="{53074F12-AA26-4AC8-9962-C36BB8F32554}" type="datetimeFigureOut">
               <a:rPr lang="en-US" smtClean="0"/>
               <a:pPr/>
-              <a:t>7/8/2019</a:t>
+              <a:t>7/11/2019</a:t>
             </a:fld>
             <a:endParaRPr lang="en-US"/>
           </a:p>
@@ -1383,7 +1383,7 @@
             <a:fld id="{53074F12-AA26-4AC8-9962-C36BB8F32554}" type="datetimeFigureOut">
               <a:rPr lang="en-US" smtClean="0"/>
               <a:pPr/>
-              <a:t>7/8/2019</a:t>
+              <a:t>7/11/2019</a:t>
             </a:fld>
             <a:endParaRPr lang="en-US"/>
           </a:p>
@@ -1563,7 +1563,7 @@
             <a:fld id="{53074F12-AA26-4AC8-9962-C36BB8F32554}" type="datetimeFigureOut">
               <a:rPr lang="en-US" smtClean="0"/>
               <a:pPr/>
-              <a:t>7/8/2019</a:t>
+              <a:t>7/11/2019</a:t>
             </a:fld>
             <a:endParaRPr lang="en-US"/>
           </a:p>
@@ -1845,7 +1845,7 @@
             <a:fld id="{53074F12-AA26-4AC8-9962-C36BB8F32554}" type="datetimeFigureOut">
               <a:rPr lang="en-US" smtClean="0"/>
               <a:pPr/>
-              <a:t>7/8/2019</a:t>
+              <a:t>7/11/2019</a:t>
             </a:fld>
             <a:endParaRPr lang="en-US"/>
           </a:p>
@@ -2092,7 +2092,7 @@
             <a:fld id="{53074F12-AA26-4AC8-9962-C36BB8F32554}" type="datetimeFigureOut">
               <a:rPr lang="en-US" smtClean="0"/>
               <a:pPr/>
-              <a:t>7/8/2019</a:t>
+              <a:t>7/11/2019</a:t>
             </a:fld>
             <a:endParaRPr lang="en-US"/>
           </a:p>
@@ -2339,7 +2339,7 @@
             <a:fld id="{53074F12-AA26-4AC8-9962-C36BB8F32554}" type="datetimeFigureOut">
               <a:rPr lang="en-US" smtClean="0"/>
               <a:pPr/>
-              <a:t>7/8/2019</a:t>
+              <a:t>7/11/2019</a:t>
             </a:fld>
             <a:endParaRPr lang="en-US"/>
           </a:p>
@@ -2626,7 +2626,7 @@
             <a:fld id="{53074F12-AA26-4AC8-9962-C36BB8F32554}" type="datetimeFigureOut">
               <a:rPr lang="en-US" smtClean="0"/>
               <a:pPr/>
-              <a:t>7/8/2019</a:t>
+              <a:t>7/11/2019</a:t>
             </a:fld>
             <a:endParaRPr lang="en-US"/>
           </a:p>
@@ -3113,7 +3113,7 @@
             <a:fld id="{53074F12-AA26-4AC8-9962-C36BB8F32554}" type="datetimeFigureOut">
               <a:rPr lang="en-US" smtClean="0"/>
               <a:pPr/>
-              <a:t>7/8/2019</a:t>
+              <a:t>7/11/2019</a:t>
             </a:fld>
             <a:endParaRPr lang="en-US"/>
           </a:p>
@@ -3232,7 +3232,7 @@
             <a:fld id="{53074F12-AA26-4AC8-9962-C36BB8F32554}" type="datetimeFigureOut">
               <a:rPr lang="en-US" smtClean="0"/>
               <a:pPr/>
-              <a:t>7/8/2019</a:t>
+              <a:t>7/11/2019</a:t>
             </a:fld>
             <a:endParaRPr lang="en-US"/>
           </a:p>
@@ -3329,7 +3329,7 @@
             <a:fld id="{53074F12-AA26-4AC8-9962-C36BB8F32554}" type="datetimeFigureOut">
               <a:rPr lang="en-US" smtClean="0"/>
               <a:pPr/>
-              <a:t>7/8/2019</a:t>
+              <a:t>7/11/2019</a:t>
             </a:fld>
             <a:endParaRPr lang="en-US"/>
           </a:p>
@@ -3606,7 +3606,7 @@
             <a:fld id="{53074F12-AA26-4AC8-9962-C36BB8F32554}" type="datetimeFigureOut">
               <a:rPr lang="en-US" smtClean="0"/>
               <a:pPr/>
-              <a:t>7/8/2019</a:t>
+              <a:t>7/11/2019</a:t>
             </a:fld>
             <a:endParaRPr lang="en-US"/>
           </a:p>
@@ -3828,7 +3828,7 @@
             <a:fld id="{53074F12-AA26-4AC8-9962-C36BB8F32554}" type="datetimeFigureOut">
               <a:rPr lang="en-US" smtClean="0"/>
               <a:pPr/>
-              <a:t>7/8/2019</a:t>
+              <a:t>7/11/2019</a:t>
             </a:fld>
             <a:endParaRPr lang="en-US"/>
           </a:p>
@@ -4268,7 +4268,12 @@
             <p:ph type="ctrTitle"/>
           </p:nvPr>
         </p:nvSpPr>
-        <p:spPr/>
+        <p:spPr>
+          <a:xfrm>
+            <a:off x="0" y="1044700"/>
+            <a:ext cx="5039265" cy="1068935"/>
+          </a:xfrm>
+        </p:spPr>
         <p:txBody>
           <a:bodyPr>
             <a:normAutofit fontScale="90000"/>
@@ -4277,15 +4282,140 @@
           <a:p>
             <a:r>
               <a:rPr lang="en-US" dirty="0"/>
-              <a:t>Wines Around </a:t>
+              <a:t>Wines Around the World</a:t>
             </a:r>
             <a:br>
               <a:rPr lang="en-US" dirty="0"/>
             </a:br>
-            <a:r>
-              <a:rPr lang="en-US" dirty="0"/>
-              <a:t>the World</a:t>
-            </a:r>
+            <a:endParaRPr lang="en-US" dirty="0"/>
+          </a:p>
+        </p:txBody>
+      </p:sp>
+      <p:sp>
+        <p:nvSpPr>
+          <p:cNvPr id="3" name="TextBox 2">
+            <a:extLst>
+              <a:ext uri="{FF2B5EF4-FFF2-40B4-BE49-F238E27FC236}">
+                <a16:creationId xmlns:a16="http://schemas.microsoft.com/office/drawing/2014/main" id="{ED6788BA-5550-4447-86F9-8EB48F76E46C}"/>
+              </a:ext>
+            </a:extLst>
+          </p:cNvPr>
+          <p:cNvSpPr txBox="1"/>
+          <p:nvPr/>
+        </p:nvSpPr>
+        <p:spPr>
+          <a:xfrm>
+            <a:off x="1365195" y="2266340"/>
+            <a:ext cx="1832460" cy="1200329"/>
+          </a:xfrm>
+          <a:prstGeom prst="rect">
+            <a:avLst/>
+          </a:prstGeom>
+          <a:noFill/>
+        </p:spPr>
+        <p:txBody>
+          <a:bodyPr wrap="square" rtlCol="0">
+            <a:spAutoFit/>
+          </a:bodyPr>
+          <a:lstStyle/>
+          <a:p>
+            <a:r>
+              <a:rPr lang="en-US" sz="1200" dirty="0">
+                <a:solidFill>
+                  <a:schemeClr val="bg1"/>
+                </a:solidFill>
+              </a:rPr>
+              <a:t>Fabio Braga</a:t>
+            </a:r>
+          </a:p>
+          <a:p>
+            <a:r>
+              <a:rPr lang="en-US" sz="1200" dirty="0">
+                <a:solidFill>
+                  <a:schemeClr val="bg1"/>
+                </a:solidFill>
+              </a:rPr>
+              <a:t>Tuyet Nguyen</a:t>
+            </a:r>
+          </a:p>
+          <a:p>
+            <a:r>
+              <a:rPr lang="en-US" sz="1200" dirty="0">
+                <a:solidFill>
+                  <a:schemeClr val="bg1"/>
+                </a:solidFill>
+              </a:rPr>
+              <a:t>Irwin </a:t>
+            </a:r>
+            <a:r>
+              <a:rPr lang="en-US" sz="1200" dirty="0" err="1">
+                <a:solidFill>
+                  <a:schemeClr val="bg1"/>
+                </a:solidFill>
+              </a:rPr>
+              <a:t>Mier</a:t>
+            </a:r>
+            <a:endParaRPr lang="en-US" sz="1200" dirty="0">
+              <a:solidFill>
+                <a:schemeClr val="bg1"/>
+              </a:solidFill>
+            </a:endParaRPr>
+          </a:p>
+          <a:p>
+            <a:r>
+              <a:rPr lang="en-US" sz="1200" dirty="0">
+                <a:solidFill>
+                  <a:schemeClr val="bg1"/>
+                </a:solidFill>
+              </a:rPr>
+              <a:t>Anisha Nigam</a:t>
+            </a:r>
+          </a:p>
+          <a:p>
+            <a:r>
+              <a:rPr lang="en-US" sz="1200" dirty="0">
+                <a:solidFill>
+                  <a:schemeClr val="bg1"/>
+                </a:solidFill>
+              </a:rPr>
+              <a:t>Nicholas </a:t>
+            </a:r>
+            <a:r>
+              <a:rPr lang="en-US" sz="1200" dirty="0" err="1">
+                <a:solidFill>
+                  <a:schemeClr val="bg1"/>
+                </a:solidFill>
+              </a:rPr>
+              <a:t>DiBiase</a:t>
+            </a:r>
+            <a:endParaRPr lang="en-US" sz="1200" dirty="0">
+              <a:solidFill>
+                <a:schemeClr val="bg1"/>
+              </a:solidFill>
+            </a:endParaRPr>
+          </a:p>
+          <a:p>
+            <a:r>
+              <a:rPr lang="en-US" sz="1200" dirty="0">
+                <a:solidFill>
+                  <a:schemeClr val="bg1"/>
+                </a:solidFill>
+              </a:rPr>
+              <a:t>Magnus </a:t>
+            </a:r>
+            <a:r>
+              <a:rPr lang="en-US" sz="1200" dirty="0" err="1">
+                <a:solidFill>
+                  <a:schemeClr val="bg1"/>
+                </a:solidFill>
+              </a:rPr>
+              <a:t>Doughan</a:t>
+            </a:r>
+            <a:endParaRPr lang="en-US" sz="1200" dirty="0">
+              <a:solidFill>
+                <a:schemeClr val="bg1"/>
+              </a:solidFill>
+            </a:endParaRPr>
           </a:p>
         </p:txBody>
       </p:sp>
@@ -5858,7 +5988,7 @@
             <p:ph idx="1"/>
             <p:extLst>
               <p:ext uri="{D42A27DB-BD31-4B8C-83A1-F6EECF244321}">
-                <p14:modId xmlns:p14="http://schemas.microsoft.com/office/powerpoint/2010/main" val="1338053689"/>
+                <p14:modId xmlns:p14="http://schemas.microsoft.com/office/powerpoint/2010/main" val="3930906339"/>
               </p:ext>
             </p:extLst>
           </p:nvPr>
@@ -6103,8 +6233,23 @@
                           <a:cs typeface="Roboto"/>
                           <a:sym typeface="Roboto"/>
                         </a:rPr>
-                        <a:t>Count and TFIDF Vectorizations</a:t>
+                        <a:t>ML: Vectorizations/</a:t>
                       </a:r>
+                      <a:r>
+                        <a:rPr lang="en-US" sz="1000" dirty="0" err="1">
+                          <a:latin typeface="+mn-lt"/>
+                          <a:ea typeface="Roboto"/>
+                          <a:cs typeface="Roboto"/>
+                          <a:sym typeface="Roboto"/>
+                        </a:rPr>
+                        <a:t>RandomForest</a:t>
+                      </a:r>
+                      <a:endParaRPr lang="en-US" sz="1000" dirty="0">
+                        <a:latin typeface="+mn-lt"/>
+                        <a:ea typeface="Roboto"/>
+                        <a:cs typeface="Roboto"/>
+                        <a:sym typeface="Roboto"/>
+                      </a:endParaRPr>
                     </a:p>
                   </a:txBody>
                   <a:tcPr marL="49708" marR="49708" marT="24854" marB="24854"/>
@@ -6441,34 +6586,66 @@
         </p:nvSpPr>
         <p:spPr/>
         <p:txBody>
-          <a:bodyPr/>
+          <a:bodyPr>
+            <a:normAutofit/>
+          </a:bodyPr>
           <a:lstStyle/>
           <a:p>
+            <a:endParaRPr lang="en-US" sz="2000" dirty="0"/>
+          </a:p>
+          <a:p>
+            <a:r>
+              <a:rPr lang="en-US" sz="2000" dirty="0"/>
+              <a:t>For this project we use a combination of instructed class materials, including:</a:t>
+            </a:r>
+          </a:p>
+          <a:p>
+            <a:pPr marL="0" indent="0">
+              <a:buNone/>
+            </a:pPr>
+            <a:endParaRPr lang="en-US" sz="2000" dirty="0"/>
+          </a:p>
+          <a:p>
+            <a:pPr marL="0" lvl="0" indent="0">
+              <a:buNone/>
+            </a:pPr>
+            <a:r>
+              <a:rPr lang="en-US" sz="2000" dirty="0"/>
+              <a:t>Python, Pandas, Matplotlib, Tableau, and Machine Learning (</a:t>
+            </a:r>
+            <a:r>
+              <a:rPr lang="en-US" sz="2000" dirty="0" err="1"/>
+              <a:t>SciKit</a:t>
+            </a:r>
+            <a:r>
+              <a:rPr lang="en-US" sz="2000" dirty="0"/>
+              <a:t>-Learn for Linear </a:t>
+            </a:r>
+            <a:r>
+              <a:rPr lang="en-US" sz="2000" dirty="0" err="1"/>
+              <a:t>RegressionRandom</a:t>
+            </a:r>
+            <a:r>
+              <a:rPr lang="en-US" sz="2000" dirty="0"/>
+              <a:t> Forest Classifier,  and Neural Networks with </a:t>
+            </a:r>
+            <a:r>
+              <a:rPr lang="en-US" sz="2000" dirty="0" err="1"/>
+              <a:t>Keras</a:t>
+            </a:r>
+            <a:r>
+              <a:rPr lang="en-US" sz="2000" dirty="0"/>
+              <a:t>)</a:t>
+            </a:r>
+          </a:p>
+          <a:p>
+            <a:pPr marL="0" lvl="0" indent="0">
+              <a:buNone/>
+            </a:pPr>
             <a:r>
               <a:rPr lang="en-US" dirty="0"/>
-              <a:t>Make Effective Presentations</a:t>
-            </a:r>
-          </a:p>
-          <a:p>
-            <a:r>
-              <a:rPr lang="en-US" dirty="0"/>
-              <a:t>Using Awesome Backgrounds</a:t>
-            </a:r>
-          </a:p>
-          <a:p>
-            <a:r>
-              <a:rPr lang="en-US" dirty="0"/>
-              <a:t>Engage your Audience</a:t>
-            </a:r>
-          </a:p>
-          <a:p>
-            <a:r>
-              <a:rPr lang="en-US" dirty="0"/>
-              <a:t>Capture Audience Attention</a:t>
-            </a:r>
-          </a:p>
-          <a:p>
-            <a:endParaRPr lang="en-US" dirty="0"/>
+              <a:t>  </a:t>
+            </a:r>
           </a:p>
           <a:p>
             <a:endParaRPr lang="en-US" dirty="0"/>
@@ -6930,6 +7107,14 @@
               </a:lnSpc>
             </a:pPr>
             <a:r>
+              <a:rPr lang="en-US" sz="2000" dirty="0">
+                <a:solidFill>
+                  <a:srgbClr val="FFFFFF"/>
+                </a:solidFill>
+              </a:rPr>
+              <a:t>Rating</a:t>
+            </a:r>
+            <a:r>
               <a:rPr lang="en-US" sz="2000" kern="1200" dirty="0">
                 <a:solidFill>
                   <a:srgbClr val="FFFFFF"/>
@@ -6938,7 +7123,7 @@
                 <a:ea typeface="+mj-ea"/>
                 <a:cs typeface="+mj-cs"/>
               </a:rPr>
-              <a:t>Wine Classification</a:t>
+              <a:t> Distribution</a:t>
             </a:r>
           </a:p>
         </p:txBody>
@@ -6973,8 +7158,8 @@
         </p:blipFill>
         <p:spPr>
           <a:xfrm>
-            <a:off x="2586834" y="128470"/>
-            <a:ext cx="5039266" cy="1679755"/>
+            <a:off x="2654745" y="128470"/>
+            <a:ext cx="5710458" cy="1903486"/>
           </a:xfrm>
         </p:spPr>
       </p:pic>
@@ -7006,8 +7191,8 @@
         </p:blipFill>
         <p:spPr>
           <a:xfrm>
-            <a:off x="3655770" y="2324713"/>
-            <a:ext cx="4041648" cy="2526030"/>
+            <a:off x="3961180" y="2324713"/>
+            <a:ext cx="4428445" cy="2526030"/>
           </a:xfrm>
           <a:prstGeom prst="rect">
             <a:avLst/>
@@ -7217,15 +7402,12 @@
               </a:lnSpc>
             </a:pPr>
             <a:r>
-              <a:rPr lang="en-US" sz="2000" kern="1200" dirty="0">
+              <a:rPr lang="en-US" sz="2000" dirty="0">
                 <a:solidFill>
                   <a:srgbClr val="FFFFFF"/>
                 </a:solidFill>
-                <a:latin typeface="+mj-lt"/>
-                <a:ea typeface="+mj-ea"/>
-                <a:cs typeface="+mj-cs"/>
               </a:rPr>
-              <a:t>Wine Classification</a:t>
+              <a:t>Rating Distribution</a:t>
             </a:r>
             <a:br>
               <a:rPr lang="en-US" sz="2000" kern="1200" dirty="0">
@@ -7504,7 +7686,7 @@
               </a:spcAft>
             </a:pPr>
             <a:r>
-              <a:rPr lang="en-US" sz="2900" kern="1200">
+              <a:rPr lang="en-US" sz="2900" dirty="0">
                 <a:solidFill>
                   <a:srgbClr val="FFFFFF"/>
                 </a:solidFill>
@@ -7512,8 +7694,16 @@
                 <a:ea typeface="+mj-ea"/>
                 <a:cs typeface="+mj-cs"/>
               </a:rPr>
-              <a:t>Correlation Between Description Length and Points</a:t>
-            </a:r>
+              <a:t>Vectorization w/ Training and Testing Results</a:t>
+            </a:r>
+            <a:endParaRPr lang="en-US" sz="2900" kern="1200" dirty="0">
+              <a:solidFill>
+                <a:srgbClr val="FFFFFF"/>
+              </a:solidFill>
+              <a:latin typeface="+mj-lt"/>
+              <a:ea typeface="+mj-ea"/>
+              <a:cs typeface="+mj-cs"/>
+            </a:endParaRPr>
           </a:p>
         </p:txBody>
       </p:sp>

--- a/Fabio/Wines Across the World.pptx
+++ b/Fabio/Wines Across the World.pptx
@@ -6584,10 +6584,15 @@
             <p:ph idx="1"/>
           </p:nvPr>
         </p:nvSpPr>
-        <p:spPr/>
+        <p:spPr>
+          <a:xfrm>
+            <a:off x="448965" y="1249915"/>
+            <a:ext cx="8246070" cy="3664918"/>
+          </a:xfrm>
+        </p:spPr>
         <p:txBody>
           <a:bodyPr>
-            <a:normAutofit/>
+            <a:normAutofit fontScale="25000" lnSpcReduction="20000"/>
           </a:bodyPr>
           <a:lstStyle/>
           <a:p>
@@ -6595,9 +6600,119 @@
           </a:p>
           <a:p>
             <a:r>
-              <a:rPr lang="en-US" sz="2000" dirty="0"/>
+              <a:rPr lang="en-US" sz="5600" dirty="0"/>
               <a:t>For this project we use a combination of instructed class materials, including:</a:t>
             </a:r>
+          </a:p>
+          <a:p>
+            <a:pPr marL="0" indent="0">
+              <a:buNone/>
+            </a:pPr>
+            <a:endParaRPr lang="en-US" sz="5600" dirty="0"/>
+          </a:p>
+          <a:p>
+            <a:pPr lvl="1"/>
+            <a:r>
+              <a:rPr lang="en-US" sz="5600" dirty="0"/>
+              <a:t>Python, Pandas, Matplotlib, Tableau, AWS, and Machine Learning (</a:t>
+            </a:r>
+            <a:r>
+              <a:rPr lang="en-US" sz="5600" dirty="0" err="1"/>
+              <a:t>SciKit</a:t>
+            </a:r>
+            <a:r>
+              <a:rPr lang="en-US" sz="5600" dirty="0"/>
+              <a:t>-Learn for Linear Regression, Random Forest Classifier,  and Neural Networks with </a:t>
+            </a:r>
+            <a:r>
+              <a:rPr lang="en-US" sz="5600" dirty="0" err="1"/>
+              <a:t>Keras</a:t>
+            </a:r>
+            <a:r>
+              <a:rPr lang="en-US" sz="5600" dirty="0"/>
+              <a:t>)</a:t>
+            </a:r>
+          </a:p>
+          <a:p>
+            <a:pPr marL="0" indent="0">
+              <a:buNone/>
+            </a:pPr>
+            <a:endParaRPr lang="en-US" sz="5600" dirty="0"/>
+          </a:p>
+          <a:p>
+            <a:endParaRPr lang="en-US" sz="5600" dirty="0"/>
+          </a:p>
+          <a:p>
+            <a:r>
+              <a:rPr lang="en-US" sz="5600" dirty="0"/>
+              <a:t>Dataset consisting of over 150K records, still with over 92K after cleanup.</a:t>
+            </a:r>
+          </a:p>
+          <a:p>
+            <a:endParaRPr lang="en-US" sz="5600" dirty="0"/>
+          </a:p>
+          <a:p>
+            <a:pPr marL="0" indent="0">
+              <a:buNone/>
+            </a:pPr>
+            <a:endParaRPr lang="en-US" sz="5600" dirty="0"/>
+          </a:p>
+          <a:p>
+            <a:pPr marL="0" indent="0">
+              <a:buNone/>
+            </a:pPr>
+            <a:endParaRPr lang="en-US" sz="5600" dirty="0"/>
+          </a:p>
+          <a:p>
+            <a:pPr marL="0" indent="0">
+              <a:buNone/>
+            </a:pPr>
+            <a:r>
+              <a:rPr lang="en-US" sz="5600" dirty="0"/>
+              <a:t>Use Machine Learning to answer the following key questions:</a:t>
+            </a:r>
+          </a:p>
+          <a:p>
+            <a:pPr marL="0" indent="0">
+              <a:buNone/>
+            </a:pPr>
+            <a:endParaRPr lang="en-US" sz="5600" dirty="0"/>
+          </a:p>
+          <a:p>
+            <a:pPr marL="0" indent="0">
+              <a:buNone/>
+            </a:pPr>
+            <a:r>
+              <a:rPr lang="en-US" sz="5600" dirty="0"/>
+              <a:t>1) Is there a correlation between Points vs. Price</a:t>
+            </a:r>
+          </a:p>
+          <a:p>
+            <a:pPr marL="0" indent="0">
+              <a:buNone/>
+            </a:pPr>
+            <a:r>
+              <a:rPr lang="en-US" sz="5600" dirty="0"/>
+              <a:t>2) Can our model accurately predict wine rating based on description? </a:t>
+            </a:r>
+          </a:p>
+          <a:p>
+            <a:pPr marL="0" indent="0">
+              <a:buNone/>
+            </a:pPr>
+            <a:r>
+              <a:rPr lang="en-US" sz="5600" dirty="0"/>
+              <a:t>3) Is it possible to predict the price of a wine based on its description and variety? </a:t>
+            </a:r>
+          </a:p>
+          <a:p>
+            <a:endParaRPr lang="en-US" sz="2000" dirty="0"/>
+          </a:p>
+          <a:p>
+            <a:endParaRPr lang="en-US" sz="2000" dirty="0"/>
+          </a:p>
+          <a:p>
+            <a:endParaRPr lang="en-US" sz="2000" dirty="0"/>
           </a:p>
           <a:p>
             <a:pPr marL="0" indent="0">
@@ -6609,34 +6724,19 @@
             <a:pPr marL="0" lvl="0" indent="0">
               <a:buNone/>
             </a:pPr>
-            <a:r>
-              <a:rPr lang="en-US" sz="2000" dirty="0"/>
-              <a:t>Python, Pandas, Matplotlib, Tableau, and Machine Learning (</a:t>
-            </a:r>
-            <a:r>
-              <a:rPr lang="en-US" sz="2000" dirty="0" err="1"/>
-              <a:t>SciKit</a:t>
-            </a:r>
-            <a:r>
-              <a:rPr lang="en-US" sz="2000" dirty="0"/>
-              <a:t>-Learn for Linear </a:t>
-            </a:r>
-            <a:r>
-              <a:rPr lang="en-US" sz="2000" dirty="0" err="1"/>
-              <a:t>RegressionRandom</a:t>
-            </a:r>
-            <a:r>
-              <a:rPr lang="en-US" sz="2000" dirty="0"/>
-              <a:t> Forest Classifier,  and Neural Networks with </a:t>
-            </a:r>
-            <a:r>
-              <a:rPr lang="en-US" sz="2000" dirty="0" err="1"/>
-              <a:t>Keras</a:t>
-            </a:r>
-            <a:r>
-              <a:rPr lang="en-US" sz="2000" dirty="0"/>
-              <a:t>)</a:t>
-            </a:r>
+            <a:endParaRPr lang="en-US" sz="2000" dirty="0"/>
+          </a:p>
+          <a:p>
+            <a:pPr marL="0" lvl="0" indent="0">
+              <a:buNone/>
+            </a:pPr>
+            <a:endParaRPr lang="en-US" sz="2000" dirty="0"/>
+          </a:p>
+          <a:p>
+            <a:pPr marL="0" lvl="0" indent="0">
+              <a:buNone/>
+            </a:pPr>
+            <a:endParaRPr lang="en-US" sz="2000" dirty="0"/>
           </a:p>
           <a:p>
             <a:pPr marL="0" lvl="0" indent="0">
